--- a/Документация/Презентация.pptx
+++ b/Документация/Презентация.pptx
@@ -5,7 +5,7 @@
     <p:sldMasterId id="2147483648" r:id="rId1"/>
   </p:sldMasterIdLst>
   <p:notesMasterIdLst>
-    <p:notesMasterId r:id="rId18"/>
+    <p:notesMasterId r:id="rId19"/>
   </p:notesMasterIdLst>
   <p:sldIdLst>
     <p:sldId id="256" r:id="rId2"/>
@@ -22,8 +22,9 @@
     <p:sldId id="272" r:id="rId13"/>
     <p:sldId id="267" r:id="rId14"/>
     <p:sldId id="273" r:id="rId15"/>
-    <p:sldId id="268" r:id="rId16"/>
-    <p:sldId id="269" r:id="rId17"/>
+    <p:sldId id="274" r:id="rId16"/>
+    <p:sldId id="268" r:id="rId17"/>
+    <p:sldId id="269" r:id="rId18"/>
   </p:sldIdLst>
   <p:sldSz cx="12192000" cy="6858000"/>
   <p:notesSz cx="6858000" cy="9144000"/>
@@ -1152,7 +1153,7 @@
           <a:p>
             <a:fld id="{FAE055AB-2799-46CD-8C0E-2FD88616E5E6}" type="datetimeFigureOut">
               <a:rPr lang="ru-RU" smtClean="0"/>
-              <a:t>14.06.2022</a:t>
+              <a:t>15.06.2022</a:t>
             </a:fld>
             <a:endParaRPr lang="ru-RU"/>
           </a:p>
@@ -1650,7 +1651,7 @@
           <a:p>
             <a:fld id="{869ACDC6-1BE7-4FF8-B23A-E384123FD009}" type="datetimeFigureOut">
               <a:rPr lang="ru-RU" smtClean="0"/>
-              <a:t>14.06.2022</a:t>
+              <a:t>15.06.2022</a:t>
             </a:fld>
             <a:endParaRPr lang="ru-RU"/>
           </a:p>
@@ -1848,7 +1849,7 @@
           <a:p>
             <a:fld id="{869ACDC6-1BE7-4FF8-B23A-E384123FD009}" type="datetimeFigureOut">
               <a:rPr lang="ru-RU" smtClean="0"/>
-              <a:t>14.06.2022</a:t>
+              <a:t>15.06.2022</a:t>
             </a:fld>
             <a:endParaRPr lang="ru-RU"/>
           </a:p>
@@ -2056,7 +2057,7 @@
           <a:p>
             <a:fld id="{869ACDC6-1BE7-4FF8-B23A-E384123FD009}" type="datetimeFigureOut">
               <a:rPr lang="ru-RU" smtClean="0"/>
-              <a:t>14.06.2022</a:t>
+              <a:t>15.06.2022</a:t>
             </a:fld>
             <a:endParaRPr lang="ru-RU"/>
           </a:p>
@@ -2254,7 +2255,7 @@
           <a:p>
             <a:fld id="{869ACDC6-1BE7-4FF8-B23A-E384123FD009}" type="datetimeFigureOut">
               <a:rPr lang="ru-RU" smtClean="0"/>
-              <a:t>14.06.2022</a:t>
+              <a:t>15.06.2022</a:t>
             </a:fld>
             <a:endParaRPr lang="ru-RU"/>
           </a:p>
@@ -2529,7 +2530,7 @@
           <a:p>
             <a:fld id="{869ACDC6-1BE7-4FF8-B23A-E384123FD009}" type="datetimeFigureOut">
               <a:rPr lang="ru-RU" smtClean="0"/>
-              <a:t>14.06.2022</a:t>
+              <a:t>15.06.2022</a:t>
             </a:fld>
             <a:endParaRPr lang="ru-RU"/>
           </a:p>
@@ -2794,7 +2795,7 @@
           <a:p>
             <a:fld id="{869ACDC6-1BE7-4FF8-B23A-E384123FD009}" type="datetimeFigureOut">
               <a:rPr lang="ru-RU" smtClean="0"/>
-              <a:t>14.06.2022</a:t>
+              <a:t>15.06.2022</a:t>
             </a:fld>
             <a:endParaRPr lang="ru-RU"/>
           </a:p>
@@ -3206,7 +3207,7 @@
           <a:p>
             <a:fld id="{869ACDC6-1BE7-4FF8-B23A-E384123FD009}" type="datetimeFigureOut">
               <a:rPr lang="ru-RU" smtClean="0"/>
-              <a:t>14.06.2022</a:t>
+              <a:t>15.06.2022</a:t>
             </a:fld>
             <a:endParaRPr lang="ru-RU"/>
           </a:p>
@@ -3347,7 +3348,7 @@
           <a:p>
             <a:fld id="{869ACDC6-1BE7-4FF8-B23A-E384123FD009}" type="datetimeFigureOut">
               <a:rPr lang="ru-RU" smtClean="0"/>
-              <a:t>14.06.2022</a:t>
+              <a:t>15.06.2022</a:t>
             </a:fld>
             <a:endParaRPr lang="ru-RU"/>
           </a:p>
@@ -3460,7 +3461,7 @@
           <a:p>
             <a:fld id="{869ACDC6-1BE7-4FF8-B23A-E384123FD009}" type="datetimeFigureOut">
               <a:rPr lang="ru-RU" smtClean="0"/>
-              <a:t>14.06.2022</a:t>
+              <a:t>15.06.2022</a:t>
             </a:fld>
             <a:endParaRPr lang="ru-RU"/>
           </a:p>
@@ -3771,7 +3772,7 @@
           <a:p>
             <a:fld id="{869ACDC6-1BE7-4FF8-B23A-E384123FD009}" type="datetimeFigureOut">
               <a:rPr lang="ru-RU" smtClean="0"/>
-              <a:t>14.06.2022</a:t>
+              <a:t>15.06.2022</a:t>
             </a:fld>
             <a:endParaRPr lang="ru-RU"/>
           </a:p>
@@ -4059,7 +4060,7 @@
           <a:p>
             <a:fld id="{869ACDC6-1BE7-4FF8-B23A-E384123FD009}" type="datetimeFigureOut">
               <a:rPr lang="ru-RU" smtClean="0"/>
-              <a:t>14.06.2022</a:t>
+              <a:t>15.06.2022</a:t>
             </a:fld>
             <a:endParaRPr lang="ru-RU"/>
           </a:p>
@@ -4300,7 +4301,7 @@
           <a:p>
             <a:fld id="{869ACDC6-1BE7-4FF8-B23A-E384123FD009}" type="datetimeFigureOut">
               <a:rPr lang="ru-RU" smtClean="0"/>
-              <a:t>14.06.2022</a:t>
+              <a:t>15.06.2022</a:t>
             </a:fld>
             <a:endParaRPr lang="ru-RU"/>
           </a:p>
@@ -10189,7 +10190,7 @@
         </p:nvGrpSpPr>
         <p:grpSpPr>
           <a:xfrm>
-            <a:off x="1259519" y="1917122"/>
+            <a:off x="5804569" y="2020919"/>
             <a:ext cx="4152900" cy="2818131"/>
             <a:chOff x="1259519" y="1917122"/>
             <a:chExt cx="4152900" cy="2818131"/>
@@ -10304,7 +10305,7 @@
         </p:nvGrpSpPr>
         <p:grpSpPr>
           <a:xfrm>
-            <a:off x="6810602" y="1661854"/>
+            <a:off x="1743121" y="1812310"/>
             <a:ext cx="2948337" cy="3127463"/>
             <a:chOff x="7303494" y="1690688"/>
             <a:chExt cx="2533650" cy="2687582"/>
@@ -10341,7 +10342,7 @@
               <a:pPr algn="ctr"/>
               <a:r>
                 <a:rPr lang="ru-RU" sz="2000" dirty="0"/>
-                <a:t>Главное меню</a:t>
+                <a:t>Регистрация</a:t>
               </a:r>
             </a:p>
           </p:txBody>
@@ -14670,6 +14671,1443 @@
       </p:grpSpPr>
       <p:grpSp>
         <p:nvGrpSpPr>
+          <p:cNvPr id="17" name="Google Shape;9395;p62">
+            <a:extLst>
+              <a:ext uri="{FF2B5EF4-FFF2-40B4-BE49-F238E27FC236}">
+                <a16:creationId xmlns:a16="http://schemas.microsoft.com/office/drawing/2014/main" id="{0202BEB2-9D2C-7A21-C34E-66CB5FD0922B}"/>
+              </a:ext>
+            </a:extLst>
+          </p:cNvPr>
+          <p:cNvGrpSpPr/>
+          <p:nvPr/>
+        </p:nvGrpSpPr>
+        <p:grpSpPr>
+          <a:xfrm>
+            <a:off x="5828482" y="4074805"/>
+            <a:ext cx="2112168" cy="2117786"/>
+            <a:chOff x="-1700225" y="2768875"/>
+            <a:chExt cx="291450" cy="292225"/>
+          </a:xfrm>
+          <a:solidFill>
+            <a:srgbClr val="D4EDF9"/>
+          </a:solidFill>
+        </p:grpSpPr>
+        <p:sp>
+          <p:nvSpPr>
+            <p:cNvPr id="18" name="Google Shape;9396;p62">
+              <a:extLst>
+                <a:ext uri="{FF2B5EF4-FFF2-40B4-BE49-F238E27FC236}">
+                  <a16:creationId xmlns:a16="http://schemas.microsoft.com/office/drawing/2014/main" id="{8AF0B227-C53B-075C-25BE-12608626BE5B}"/>
+                </a:ext>
+              </a:extLst>
+            </p:cNvPr>
+            <p:cNvSpPr/>
+            <p:nvPr/>
+          </p:nvSpPr>
+          <p:spPr>
+            <a:xfrm>
+              <a:off x="-1700225" y="2768875"/>
+              <a:ext cx="291450" cy="292225"/>
+            </a:xfrm>
+            <a:custGeom>
+              <a:avLst/>
+              <a:gdLst/>
+              <a:ahLst/>
+              <a:cxnLst/>
+              <a:rect l="l" t="t" r="r" b="b"/>
+              <a:pathLst>
+                <a:path w="11658" h="11689" extrusionOk="0">
+                  <a:moveTo>
+                    <a:pt x="10617" y="662"/>
+                  </a:moveTo>
+                  <a:cubicBezTo>
+                    <a:pt x="10806" y="662"/>
+                    <a:pt x="10964" y="820"/>
+                    <a:pt x="10964" y="1009"/>
+                  </a:cubicBezTo>
+                  <a:lnTo>
+                    <a:pt x="10964" y="2710"/>
+                  </a:lnTo>
+                  <a:lnTo>
+                    <a:pt x="662" y="2710"/>
+                  </a:lnTo>
+                  <a:lnTo>
+                    <a:pt x="662" y="1009"/>
+                  </a:lnTo>
+                  <a:cubicBezTo>
+                    <a:pt x="662" y="820"/>
+                    <a:pt x="819" y="662"/>
+                    <a:pt x="1008" y="662"/>
+                  </a:cubicBezTo>
+                  <a:close/>
+                  <a:moveTo>
+                    <a:pt x="10933" y="3372"/>
+                  </a:moveTo>
+                  <a:lnTo>
+                    <a:pt x="10933" y="9232"/>
+                  </a:lnTo>
+                  <a:cubicBezTo>
+                    <a:pt x="10964" y="9484"/>
+                    <a:pt x="10806" y="9610"/>
+                    <a:pt x="10617" y="9610"/>
+                  </a:cubicBezTo>
+                  <a:lnTo>
+                    <a:pt x="8916" y="9610"/>
+                  </a:lnTo>
+                  <a:lnTo>
+                    <a:pt x="8570" y="9232"/>
+                  </a:lnTo>
+                  <a:cubicBezTo>
+                    <a:pt x="8601" y="9169"/>
+                    <a:pt x="8664" y="9043"/>
+                    <a:pt x="8696" y="8917"/>
+                  </a:cubicBezTo>
+                  <a:lnTo>
+                    <a:pt x="9200" y="8917"/>
+                  </a:lnTo>
+                  <a:cubicBezTo>
+                    <a:pt x="9389" y="8917"/>
+                    <a:pt x="9546" y="8759"/>
+                    <a:pt x="9546" y="8570"/>
+                  </a:cubicBezTo>
+                  <a:lnTo>
+                    <a:pt x="9546" y="7184"/>
+                  </a:lnTo>
+                  <a:cubicBezTo>
+                    <a:pt x="9546" y="6995"/>
+                    <a:pt x="9389" y="6837"/>
+                    <a:pt x="9200" y="6837"/>
+                  </a:cubicBezTo>
+                  <a:lnTo>
+                    <a:pt x="8696" y="6837"/>
+                  </a:lnTo>
+                  <a:cubicBezTo>
+                    <a:pt x="8664" y="6711"/>
+                    <a:pt x="8601" y="6648"/>
+                    <a:pt x="8570" y="6522"/>
+                  </a:cubicBezTo>
+                  <a:lnTo>
+                    <a:pt x="8916" y="6176"/>
+                  </a:lnTo>
+                  <a:cubicBezTo>
+                    <a:pt x="9042" y="6050"/>
+                    <a:pt x="9042" y="5798"/>
+                    <a:pt x="8916" y="5703"/>
+                  </a:cubicBezTo>
+                  <a:lnTo>
+                    <a:pt x="7940" y="4695"/>
+                  </a:lnTo>
+                  <a:cubicBezTo>
+                    <a:pt x="7877" y="4648"/>
+                    <a:pt x="7790" y="4624"/>
+                    <a:pt x="7703" y="4624"/>
+                  </a:cubicBezTo>
+                  <a:cubicBezTo>
+                    <a:pt x="7617" y="4624"/>
+                    <a:pt x="7530" y="4648"/>
+                    <a:pt x="7467" y="4695"/>
+                  </a:cubicBezTo>
+                  <a:lnTo>
+                    <a:pt x="7120" y="5073"/>
+                  </a:lnTo>
+                  <a:cubicBezTo>
+                    <a:pt x="7026" y="5041"/>
+                    <a:pt x="6931" y="4978"/>
+                    <a:pt x="6805" y="4947"/>
+                  </a:cubicBezTo>
+                  <a:lnTo>
+                    <a:pt x="6805" y="4443"/>
+                  </a:lnTo>
+                  <a:cubicBezTo>
+                    <a:pt x="6805" y="4222"/>
+                    <a:pt x="6648" y="4065"/>
+                    <a:pt x="6459" y="4065"/>
+                  </a:cubicBezTo>
+                  <a:lnTo>
+                    <a:pt x="5073" y="4065"/>
+                  </a:lnTo>
+                  <a:cubicBezTo>
+                    <a:pt x="4884" y="4065"/>
+                    <a:pt x="4726" y="4222"/>
+                    <a:pt x="4726" y="4443"/>
+                  </a:cubicBezTo>
+                  <a:lnTo>
+                    <a:pt x="4726" y="4947"/>
+                  </a:lnTo>
+                  <a:cubicBezTo>
+                    <a:pt x="4600" y="4978"/>
+                    <a:pt x="4506" y="5010"/>
+                    <a:pt x="4411" y="5073"/>
+                  </a:cubicBezTo>
+                  <a:lnTo>
+                    <a:pt x="4033" y="4695"/>
+                  </a:lnTo>
+                  <a:cubicBezTo>
+                    <a:pt x="3986" y="4648"/>
+                    <a:pt x="3899" y="4624"/>
+                    <a:pt x="3808" y="4624"/>
+                  </a:cubicBezTo>
+                  <a:cubicBezTo>
+                    <a:pt x="3718" y="4624"/>
+                    <a:pt x="3623" y="4648"/>
+                    <a:pt x="3560" y="4695"/>
+                  </a:cubicBezTo>
+                  <a:lnTo>
+                    <a:pt x="2584" y="5703"/>
+                  </a:lnTo>
+                  <a:cubicBezTo>
+                    <a:pt x="2458" y="5829"/>
+                    <a:pt x="2458" y="6050"/>
+                    <a:pt x="2584" y="6176"/>
+                  </a:cubicBezTo>
+                  <a:lnTo>
+                    <a:pt x="2930" y="6522"/>
+                  </a:lnTo>
+                  <a:cubicBezTo>
+                    <a:pt x="2899" y="6585"/>
+                    <a:pt x="2867" y="6711"/>
+                    <a:pt x="2836" y="6837"/>
+                  </a:cubicBezTo>
+                  <a:lnTo>
+                    <a:pt x="2300" y="6837"/>
+                  </a:lnTo>
+                  <a:cubicBezTo>
+                    <a:pt x="2111" y="6837"/>
+                    <a:pt x="1954" y="6995"/>
+                    <a:pt x="1954" y="7184"/>
+                  </a:cubicBezTo>
+                  <a:lnTo>
+                    <a:pt x="1954" y="8570"/>
+                  </a:lnTo>
+                  <a:cubicBezTo>
+                    <a:pt x="1954" y="8759"/>
+                    <a:pt x="2111" y="8917"/>
+                    <a:pt x="2300" y="8917"/>
+                  </a:cubicBezTo>
+                  <a:lnTo>
+                    <a:pt x="2836" y="8917"/>
+                  </a:lnTo>
+                  <a:cubicBezTo>
+                    <a:pt x="2867" y="9043"/>
+                    <a:pt x="2899" y="9137"/>
+                    <a:pt x="2930" y="9232"/>
+                  </a:cubicBezTo>
+                  <a:lnTo>
+                    <a:pt x="2584" y="9610"/>
+                  </a:lnTo>
+                  <a:lnTo>
+                    <a:pt x="977" y="9610"/>
+                  </a:lnTo>
+                  <a:cubicBezTo>
+                    <a:pt x="788" y="9610"/>
+                    <a:pt x="630" y="9452"/>
+                    <a:pt x="630" y="9232"/>
+                  </a:cubicBezTo>
+                  <a:lnTo>
+                    <a:pt x="630" y="3372"/>
+                  </a:lnTo>
+                  <a:close/>
+                  <a:moveTo>
+                    <a:pt x="6112" y="4726"/>
+                  </a:moveTo>
+                  <a:lnTo>
+                    <a:pt x="6112" y="5136"/>
+                  </a:lnTo>
+                  <a:cubicBezTo>
+                    <a:pt x="6112" y="5294"/>
+                    <a:pt x="6207" y="5420"/>
+                    <a:pt x="6364" y="5451"/>
+                  </a:cubicBezTo>
+                  <a:cubicBezTo>
+                    <a:pt x="6553" y="5514"/>
+                    <a:pt x="6805" y="5609"/>
+                    <a:pt x="6994" y="5735"/>
+                  </a:cubicBezTo>
+                  <a:cubicBezTo>
+                    <a:pt x="7041" y="5769"/>
+                    <a:pt x="7096" y="5783"/>
+                    <a:pt x="7153" y="5783"/>
+                  </a:cubicBezTo>
+                  <a:cubicBezTo>
+                    <a:pt x="7251" y="5783"/>
+                    <a:pt x="7356" y="5743"/>
+                    <a:pt x="7435" y="5703"/>
+                  </a:cubicBezTo>
+                  <a:lnTo>
+                    <a:pt x="7751" y="5388"/>
+                  </a:lnTo>
+                  <a:lnTo>
+                    <a:pt x="8223" y="5861"/>
+                  </a:lnTo>
+                  <a:lnTo>
+                    <a:pt x="7908" y="6176"/>
+                  </a:lnTo>
+                  <a:cubicBezTo>
+                    <a:pt x="7782" y="6302"/>
+                    <a:pt x="7782" y="6459"/>
+                    <a:pt x="7877" y="6617"/>
+                  </a:cubicBezTo>
+                  <a:cubicBezTo>
+                    <a:pt x="7971" y="6806"/>
+                    <a:pt x="8066" y="6995"/>
+                    <a:pt x="8129" y="7247"/>
+                  </a:cubicBezTo>
+                  <a:cubicBezTo>
+                    <a:pt x="8192" y="7404"/>
+                    <a:pt x="8286" y="7499"/>
+                    <a:pt x="8444" y="7499"/>
+                  </a:cubicBezTo>
+                  <a:lnTo>
+                    <a:pt x="8885" y="7499"/>
+                  </a:lnTo>
+                  <a:lnTo>
+                    <a:pt x="8885" y="8192"/>
+                  </a:lnTo>
+                  <a:lnTo>
+                    <a:pt x="8444" y="8192"/>
+                  </a:lnTo>
+                  <a:cubicBezTo>
+                    <a:pt x="8286" y="8192"/>
+                    <a:pt x="8192" y="8286"/>
+                    <a:pt x="8129" y="8444"/>
+                  </a:cubicBezTo>
+                  <a:cubicBezTo>
+                    <a:pt x="8097" y="8665"/>
+                    <a:pt x="7971" y="8885"/>
+                    <a:pt x="7877" y="9074"/>
+                  </a:cubicBezTo>
+                  <a:cubicBezTo>
+                    <a:pt x="7782" y="9200"/>
+                    <a:pt x="7814" y="9389"/>
+                    <a:pt x="7908" y="9515"/>
+                  </a:cubicBezTo>
+                  <a:lnTo>
+                    <a:pt x="8223" y="9830"/>
+                  </a:lnTo>
+                  <a:lnTo>
+                    <a:pt x="7751" y="10303"/>
+                  </a:lnTo>
+                  <a:lnTo>
+                    <a:pt x="7435" y="9988"/>
+                  </a:lnTo>
+                  <a:cubicBezTo>
+                    <a:pt x="7368" y="9920"/>
+                    <a:pt x="7291" y="9889"/>
+                    <a:pt x="7211" y="9889"/>
+                  </a:cubicBezTo>
+                  <a:cubicBezTo>
+                    <a:pt x="7141" y="9889"/>
+                    <a:pt x="7068" y="9912"/>
+                    <a:pt x="6994" y="9956"/>
+                  </a:cubicBezTo>
+                  <a:cubicBezTo>
+                    <a:pt x="6805" y="10082"/>
+                    <a:pt x="6616" y="10145"/>
+                    <a:pt x="6364" y="10208"/>
+                  </a:cubicBezTo>
+                  <a:cubicBezTo>
+                    <a:pt x="6207" y="10271"/>
+                    <a:pt x="6112" y="10366"/>
+                    <a:pt x="6112" y="10555"/>
+                  </a:cubicBezTo>
+                  <a:lnTo>
+                    <a:pt x="6112" y="10964"/>
+                  </a:lnTo>
+                  <a:lnTo>
+                    <a:pt x="5419" y="10964"/>
+                  </a:lnTo>
+                  <a:lnTo>
+                    <a:pt x="5419" y="10555"/>
+                  </a:lnTo>
+                  <a:cubicBezTo>
+                    <a:pt x="5419" y="10366"/>
+                    <a:pt x="5325" y="10271"/>
+                    <a:pt x="5167" y="10208"/>
+                  </a:cubicBezTo>
+                  <a:cubicBezTo>
+                    <a:pt x="4947" y="10177"/>
+                    <a:pt x="4726" y="10051"/>
+                    <a:pt x="4537" y="9956"/>
+                  </a:cubicBezTo>
+                  <a:cubicBezTo>
+                    <a:pt x="4491" y="9921"/>
+                    <a:pt x="4436" y="9908"/>
+                    <a:pt x="4379" y="9908"/>
+                  </a:cubicBezTo>
+                  <a:cubicBezTo>
+                    <a:pt x="4281" y="9908"/>
+                    <a:pt x="4176" y="9948"/>
+                    <a:pt x="4096" y="9988"/>
+                  </a:cubicBezTo>
+                  <a:lnTo>
+                    <a:pt x="3781" y="10303"/>
+                  </a:lnTo>
+                  <a:lnTo>
+                    <a:pt x="3308" y="9830"/>
+                  </a:lnTo>
+                  <a:lnTo>
+                    <a:pt x="3623" y="9515"/>
+                  </a:lnTo>
+                  <a:cubicBezTo>
+                    <a:pt x="3749" y="9389"/>
+                    <a:pt x="3749" y="9232"/>
+                    <a:pt x="3655" y="9074"/>
+                  </a:cubicBezTo>
+                  <a:cubicBezTo>
+                    <a:pt x="3529" y="8885"/>
+                    <a:pt x="3466" y="8696"/>
+                    <a:pt x="3371" y="8444"/>
+                  </a:cubicBezTo>
+                  <a:cubicBezTo>
+                    <a:pt x="3340" y="8286"/>
+                    <a:pt x="3214" y="8192"/>
+                    <a:pt x="3056" y="8192"/>
+                  </a:cubicBezTo>
+                  <a:lnTo>
+                    <a:pt x="2647" y="8192"/>
+                  </a:lnTo>
+                  <a:lnTo>
+                    <a:pt x="2647" y="7499"/>
+                  </a:lnTo>
+                  <a:lnTo>
+                    <a:pt x="3056" y="7499"/>
+                  </a:lnTo>
+                  <a:cubicBezTo>
+                    <a:pt x="3214" y="7499"/>
+                    <a:pt x="3340" y="7404"/>
+                    <a:pt x="3371" y="7247"/>
+                  </a:cubicBezTo>
+                  <a:cubicBezTo>
+                    <a:pt x="3434" y="7026"/>
+                    <a:pt x="3529" y="6806"/>
+                    <a:pt x="3655" y="6617"/>
+                  </a:cubicBezTo>
+                  <a:cubicBezTo>
+                    <a:pt x="3749" y="6491"/>
+                    <a:pt x="3686" y="6302"/>
+                    <a:pt x="3623" y="6176"/>
+                  </a:cubicBezTo>
+                  <a:lnTo>
+                    <a:pt x="3308" y="5861"/>
+                  </a:lnTo>
+                  <a:lnTo>
+                    <a:pt x="3781" y="5388"/>
+                  </a:lnTo>
+                  <a:lnTo>
+                    <a:pt x="4096" y="5703"/>
+                  </a:lnTo>
+                  <a:cubicBezTo>
+                    <a:pt x="4163" y="5771"/>
+                    <a:pt x="4240" y="5802"/>
+                    <a:pt x="4321" y="5802"/>
+                  </a:cubicBezTo>
+                  <a:cubicBezTo>
+                    <a:pt x="4391" y="5802"/>
+                    <a:pt x="4464" y="5778"/>
+                    <a:pt x="4537" y="5735"/>
+                  </a:cubicBezTo>
+                  <a:cubicBezTo>
+                    <a:pt x="4726" y="5609"/>
+                    <a:pt x="4915" y="5546"/>
+                    <a:pt x="5167" y="5451"/>
+                  </a:cubicBezTo>
+                  <a:cubicBezTo>
+                    <a:pt x="5325" y="5420"/>
+                    <a:pt x="5419" y="5294"/>
+                    <a:pt x="5419" y="5136"/>
+                  </a:cubicBezTo>
+                  <a:lnTo>
+                    <a:pt x="5419" y="4726"/>
+                  </a:lnTo>
+                  <a:close/>
+                  <a:moveTo>
+                    <a:pt x="1008" y="1"/>
+                  </a:moveTo>
+                  <a:cubicBezTo>
+                    <a:pt x="473" y="1"/>
+                    <a:pt x="0" y="473"/>
+                    <a:pt x="0" y="1009"/>
+                  </a:cubicBezTo>
+                  <a:lnTo>
+                    <a:pt x="0" y="9295"/>
+                  </a:lnTo>
+                  <a:cubicBezTo>
+                    <a:pt x="0" y="9830"/>
+                    <a:pt x="473" y="10303"/>
+                    <a:pt x="1008" y="10303"/>
+                  </a:cubicBezTo>
+                  <a:lnTo>
+                    <a:pt x="2867" y="10303"/>
+                  </a:lnTo>
+                  <a:lnTo>
+                    <a:pt x="3623" y="11059"/>
+                  </a:lnTo>
+                  <a:cubicBezTo>
+                    <a:pt x="3671" y="11122"/>
+                    <a:pt x="3757" y="11153"/>
+                    <a:pt x="3848" y="11153"/>
+                  </a:cubicBezTo>
+                  <a:cubicBezTo>
+                    <a:pt x="3938" y="11153"/>
+                    <a:pt x="4033" y="11122"/>
+                    <a:pt x="4096" y="11059"/>
+                  </a:cubicBezTo>
+                  <a:lnTo>
+                    <a:pt x="4442" y="10712"/>
+                  </a:lnTo>
+                  <a:cubicBezTo>
+                    <a:pt x="4506" y="10744"/>
+                    <a:pt x="4632" y="10775"/>
+                    <a:pt x="4758" y="10807"/>
+                  </a:cubicBezTo>
+                  <a:lnTo>
+                    <a:pt x="4758" y="11342"/>
+                  </a:lnTo>
+                  <a:cubicBezTo>
+                    <a:pt x="4758" y="11531"/>
+                    <a:pt x="4915" y="11689"/>
+                    <a:pt x="5104" y="11689"/>
+                  </a:cubicBezTo>
+                  <a:lnTo>
+                    <a:pt x="6490" y="11689"/>
+                  </a:lnTo>
+                  <a:cubicBezTo>
+                    <a:pt x="6679" y="11689"/>
+                    <a:pt x="6837" y="11531"/>
+                    <a:pt x="6837" y="11342"/>
+                  </a:cubicBezTo>
+                  <a:lnTo>
+                    <a:pt x="6837" y="10807"/>
+                  </a:lnTo>
+                  <a:cubicBezTo>
+                    <a:pt x="6963" y="10775"/>
+                    <a:pt x="7026" y="10744"/>
+                    <a:pt x="7152" y="10712"/>
+                  </a:cubicBezTo>
+                  <a:lnTo>
+                    <a:pt x="7498" y="11059"/>
+                  </a:lnTo>
+                  <a:cubicBezTo>
+                    <a:pt x="7561" y="11122"/>
+                    <a:pt x="7656" y="11153"/>
+                    <a:pt x="7747" y="11153"/>
+                  </a:cubicBezTo>
+                  <a:cubicBezTo>
+                    <a:pt x="7837" y="11153"/>
+                    <a:pt x="7924" y="11122"/>
+                    <a:pt x="7971" y="11059"/>
+                  </a:cubicBezTo>
+                  <a:lnTo>
+                    <a:pt x="8727" y="10303"/>
+                  </a:lnTo>
+                  <a:lnTo>
+                    <a:pt x="10617" y="10303"/>
+                  </a:lnTo>
+                  <a:cubicBezTo>
+                    <a:pt x="11185" y="10303"/>
+                    <a:pt x="11657" y="9830"/>
+                    <a:pt x="11657" y="9295"/>
+                  </a:cubicBezTo>
+                  <a:lnTo>
+                    <a:pt x="11657" y="1009"/>
+                  </a:lnTo>
+                  <a:cubicBezTo>
+                    <a:pt x="11657" y="473"/>
+                    <a:pt x="11216" y="1"/>
+                    <a:pt x="10617" y="1"/>
+                  </a:cubicBezTo>
+                  <a:close/>
+                </a:path>
+              </a:pathLst>
+            </a:custGeom>
+            <a:grpFill/>
+            <a:ln>
+              <a:noFill/>
+            </a:ln>
+          </p:spPr>
+          <p:txBody>
+            <a:bodyPr spcFirstLastPara="1" wrap="square" lIns="91425" tIns="91425" rIns="91425" bIns="91425" anchor="ctr" anchorCtr="0">
+              <a:noAutofit/>
+            </a:bodyPr>
+            <a:lstStyle/>
+            <a:p>
+              <a:pPr marL="0" lvl="0" indent="0" algn="l" rtl="0">
+                <a:spcBef>
+                  <a:spcPts val="0"/>
+                </a:spcBef>
+                <a:spcAft>
+                  <a:spcPts val="0"/>
+                </a:spcAft>
+                <a:buNone/>
+              </a:pPr>
+              <a:endParaRPr/>
+            </a:p>
+          </p:txBody>
+        </p:sp>
+        <p:sp>
+          <p:nvSpPr>
+            <p:cNvPr id="19" name="Google Shape;9397;p62">
+              <a:extLst>
+                <a:ext uri="{FF2B5EF4-FFF2-40B4-BE49-F238E27FC236}">
+                  <a16:creationId xmlns:a16="http://schemas.microsoft.com/office/drawing/2014/main" id="{FA600408-A2A1-A35B-8823-91693EB36BB2}"/>
+                </a:ext>
+              </a:extLst>
+            </p:cNvPr>
+            <p:cNvSpPr/>
+            <p:nvPr/>
+          </p:nvSpPr>
+          <p:spPr>
+            <a:xfrm>
+              <a:off x="-1667150" y="2801950"/>
+              <a:ext cx="18150" cy="18150"/>
+            </a:xfrm>
+            <a:custGeom>
+              <a:avLst/>
+              <a:gdLst/>
+              <a:ahLst/>
+              <a:cxnLst/>
+              <a:rect l="l" t="t" r="r" b="b"/>
+              <a:pathLst>
+                <a:path w="726" h="726" extrusionOk="0">
+                  <a:moveTo>
+                    <a:pt x="347" y="1"/>
+                  </a:moveTo>
+                  <a:cubicBezTo>
+                    <a:pt x="158" y="1"/>
+                    <a:pt x="1" y="158"/>
+                    <a:pt x="1" y="347"/>
+                  </a:cubicBezTo>
+                  <a:cubicBezTo>
+                    <a:pt x="1" y="536"/>
+                    <a:pt x="158" y="726"/>
+                    <a:pt x="347" y="726"/>
+                  </a:cubicBezTo>
+                  <a:cubicBezTo>
+                    <a:pt x="568" y="726"/>
+                    <a:pt x="725" y="536"/>
+                    <a:pt x="725" y="347"/>
+                  </a:cubicBezTo>
+                  <a:cubicBezTo>
+                    <a:pt x="725" y="158"/>
+                    <a:pt x="568" y="1"/>
+                    <a:pt x="347" y="1"/>
+                  </a:cubicBezTo>
+                  <a:close/>
+                </a:path>
+              </a:pathLst>
+            </a:custGeom>
+            <a:grpFill/>
+            <a:ln>
+              <a:noFill/>
+            </a:ln>
+          </p:spPr>
+          <p:txBody>
+            <a:bodyPr spcFirstLastPara="1" wrap="square" lIns="91425" tIns="91425" rIns="91425" bIns="91425" anchor="ctr" anchorCtr="0">
+              <a:noAutofit/>
+            </a:bodyPr>
+            <a:lstStyle/>
+            <a:p>
+              <a:pPr marL="0" lvl="0" indent="0" algn="l" rtl="0">
+                <a:spcBef>
+                  <a:spcPts val="0"/>
+                </a:spcBef>
+                <a:spcAft>
+                  <a:spcPts val="0"/>
+                </a:spcAft>
+                <a:buNone/>
+              </a:pPr>
+              <a:endParaRPr/>
+            </a:p>
+          </p:txBody>
+        </p:sp>
+        <p:sp>
+          <p:nvSpPr>
+            <p:cNvPr id="20" name="Google Shape;9398;p62">
+              <a:extLst>
+                <a:ext uri="{FF2B5EF4-FFF2-40B4-BE49-F238E27FC236}">
+                  <a16:creationId xmlns:a16="http://schemas.microsoft.com/office/drawing/2014/main" id="{B6765C94-CBA6-AD7D-F384-7E69D2EE7ADA}"/>
+                </a:ext>
+              </a:extLst>
+            </p:cNvPr>
+            <p:cNvSpPr/>
+            <p:nvPr/>
+          </p:nvSpPr>
+          <p:spPr>
+            <a:xfrm>
+              <a:off x="-1632500" y="2801950"/>
+              <a:ext cx="17350" cy="18150"/>
+            </a:xfrm>
+            <a:custGeom>
+              <a:avLst/>
+              <a:gdLst/>
+              <a:ahLst/>
+              <a:cxnLst/>
+              <a:rect l="l" t="t" r="r" b="b"/>
+              <a:pathLst>
+                <a:path w="694" h="726" extrusionOk="0">
+                  <a:moveTo>
+                    <a:pt x="347" y="1"/>
+                  </a:moveTo>
+                  <a:cubicBezTo>
+                    <a:pt x="158" y="1"/>
+                    <a:pt x="1" y="158"/>
+                    <a:pt x="1" y="347"/>
+                  </a:cubicBezTo>
+                  <a:cubicBezTo>
+                    <a:pt x="1" y="568"/>
+                    <a:pt x="158" y="726"/>
+                    <a:pt x="347" y="726"/>
+                  </a:cubicBezTo>
+                  <a:cubicBezTo>
+                    <a:pt x="536" y="726"/>
+                    <a:pt x="694" y="568"/>
+                    <a:pt x="694" y="347"/>
+                  </a:cubicBezTo>
+                  <a:cubicBezTo>
+                    <a:pt x="694" y="158"/>
+                    <a:pt x="536" y="1"/>
+                    <a:pt x="347" y="1"/>
+                  </a:cubicBezTo>
+                  <a:close/>
+                </a:path>
+              </a:pathLst>
+            </a:custGeom>
+            <a:grpFill/>
+            <a:ln>
+              <a:noFill/>
+            </a:ln>
+          </p:spPr>
+          <p:txBody>
+            <a:bodyPr spcFirstLastPara="1" wrap="square" lIns="91425" tIns="91425" rIns="91425" bIns="91425" anchor="ctr" anchorCtr="0">
+              <a:noAutofit/>
+            </a:bodyPr>
+            <a:lstStyle/>
+            <a:p>
+              <a:pPr marL="0" lvl="0" indent="0" algn="l" rtl="0">
+                <a:spcBef>
+                  <a:spcPts val="0"/>
+                </a:spcBef>
+                <a:spcAft>
+                  <a:spcPts val="0"/>
+                </a:spcAft>
+                <a:buNone/>
+              </a:pPr>
+              <a:endParaRPr/>
+            </a:p>
+          </p:txBody>
+        </p:sp>
+        <p:sp>
+          <p:nvSpPr>
+            <p:cNvPr id="21" name="Google Shape;9399;p62">
+              <a:extLst>
+                <a:ext uri="{FF2B5EF4-FFF2-40B4-BE49-F238E27FC236}">
+                  <a16:creationId xmlns:a16="http://schemas.microsoft.com/office/drawing/2014/main" id="{63962594-7FBD-8E46-7698-CFABA918A0BF}"/>
+                </a:ext>
+              </a:extLst>
+            </p:cNvPr>
+            <p:cNvSpPr/>
+            <p:nvPr/>
+          </p:nvSpPr>
+          <p:spPr>
+            <a:xfrm>
+              <a:off x="-1597850" y="2801950"/>
+              <a:ext cx="17375" cy="18150"/>
+            </a:xfrm>
+            <a:custGeom>
+              <a:avLst/>
+              <a:gdLst/>
+              <a:ahLst/>
+              <a:cxnLst/>
+              <a:rect l="l" t="t" r="r" b="b"/>
+              <a:pathLst>
+                <a:path w="695" h="726" extrusionOk="0">
+                  <a:moveTo>
+                    <a:pt x="347" y="1"/>
+                  </a:moveTo>
+                  <a:cubicBezTo>
+                    <a:pt x="158" y="1"/>
+                    <a:pt x="1" y="158"/>
+                    <a:pt x="1" y="347"/>
+                  </a:cubicBezTo>
+                  <a:cubicBezTo>
+                    <a:pt x="1" y="568"/>
+                    <a:pt x="158" y="726"/>
+                    <a:pt x="347" y="726"/>
+                  </a:cubicBezTo>
+                  <a:cubicBezTo>
+                    <a:pt x="537" y="726"/>
+                    <a:pt x="694" y="568"/>
+                    <a:pt x="694" y="347"/>
+                  </a:cubicBezTo>
+                  <a:cubicBezTo>
+                    <a:pt x="694" y="158"/>
+                    <a:pt x="537" y="1"/>
+                    <a:pt x="347" y="1"/>
+                  </a:cubicBezTo>
+                  <a:close/>
+                </a:path>
+              </a:pathLst>
+            </a:custGeom>
+            <a:grpFill/>
+            <a:ln>
+              <a:noFill/>
+            </a:ln>
+          </p:spPr>
+          <p:txBody>
+            <a:bodyPr spcFirstLastPara="1" wrap="square" lIns="91425" tIns="91425" rIns="91425" bIns="91425" anchor="ctr" anchorCtr="0">
+              <a:noAutofit/>
+            </a:bodyPr>
+            <a:lstStyle/>
+            <a:p>
+              <a:pPr marL="0" lvl="0" indent="0" algn="l" rtl="0">
+                <a:spcBef>
+                  <a:spcPts val="0"/>
+                </a:spcBef>
+                <a:spcAft>
+                  <a:spcPts val="0"/>
+                </a:spcAft>
+                <a:buNone/>
+              </a:pPr>
+              <a:endParaRPr/>
+            </a:p>
+          </p:txBody>
+        </p:sp>
+        <p:sp>
+          <p:nvSpPr>
+            <p:cNvPr id="22" name="Google Shape;9400;p62">
+              <a:extLst>
+                <a:ext uri="{FF2B5EF4-FFF2-40B4-BE49-F238E27FC236}">
+                  <a16:creationId xmlns:a16="http://schemas.microsoft.com/office/drawing/2014/main" id="{F5CFAE48-1845-CB27-FF53-A3F4C312C0A9}"/>
+                </a:ext>
+              </a:extLst>
+            </p:cNvPr>
+            <p:cNvSpPr/>
+            <p:nvPr/>
+          </p:nvSpPr>
+          <p:spPr>
+            <a:xfrm>
+              <a:off x="-1564750" y="2801950"/>
+              <a:ext cx="120525" cy="18150"/>
+            </a:xfrm>
+            <a:custGeom>
+              <a:avLst/>
+              <a:gdLst/>
+              <a:ahLst/>
+              <a:cxnLst/>
+              <a:rect l="l" t="t" r="r" b="b"/>
+              <a:pathLst>
+                <a:path w="4821" h="726" extrusionOk="0">
+                  <a:moveTo>
+                    <a:pt x="347" y="1"/>
+                  </a:moveTo>
+                  <a:cubicBezTo>
+                    <a:pt x="158" y="1"/>
+                    <a:pt x="0" y="158"/>
+                    <a:pt x="0" y="347"/>
+                  </a:cubicBezTo>
+                  <a:cubicBezTo>
+                    <a:pt x="32" y="568"/>
+                    <a:pt x="189" y="726"/>
+                    <a:pt x="347" y="726"/>
+                  </a:cubicBezTo>
+                  <a:lnTo>
+                    <a:pt x="4442" y="726"/>
+                  </a:lnTo>
+                  <a:cubicBezTo>
+                    <a:pt x="4663" y="726"/>
+                    <a:pt x="4820" y="568"/>
+                    <a:pt x="4820" y="347"/>
+                  </a:cubicBezTo>
+                  <a:cubicBezTo>
+                    <a:pt x="4820" y="158"/>
+                    <a:pt x="4663" y="1"/>
+                    <a:pt x="4442" y="1"/>
+                  </a:cubicBezTo>
+                  <a:close/>
+                </a:path>
+              </a:pathLst>
+            </a:custGeom>
+            <a:grpFill/>
+            <a:ln>
+              <a:noFill/>
+            </a:ln>
+          </p:spPr>
+          <p:txBody>
+            <a:bodyPr spcFirstLastPara="1" wrap="square" lIns="91425" tIns="91425" rIns="91425" bIns="91425" anchor="ctr" anchorCtr="0">
+              <a:noAutofit/>
+            </a:bodyPr>
+            <a:lstStyle/>
+            <a:p>
+              <a:pPr marL="0" lvl="0" indent="0" algn="l" rtl="0">
+                <a:spcBef>
+                  <a:spcPts val="0"/>
+                </a:spcBef>
+                <a:spcAft>
+                  <a:spcPts val="0"/>
+                </a:spcAft>
+                <a:buNone/>
+              </a:pPr>
+              <a:endParaRPr/>
+            </a:p>
+          </p:txBody>
+        </p:sp>
+        <p:sp>
+          <p:nvSpPr>
+            <p:cNvPr id="23" name="Google Shape;9401;p62">
+              <a:extLst>
+                <a:ext uri="{FF2B5EF4-FFF2-40B4-BE49-F238E27FC236}">
+                  <a16:creationId xmlns:a16="http://schemas.microsoft.com/office/drawing/2014/main" id="{E1D579D0-B6C2-411B-E079-58E262CCF548}"/>
+                </a:ext>
+              </a:extLst>
+            </p:cNvPr>
+            <p:cNvSpPr/>
+            <p:nvPr/>
+          </p:nvSpPr>
+          <p:spPr>
+            <a:xfrm>
+              <a:off x="-1597850" y="2924050"/>
+              <a:ext cx="85100" cy="85075"/>
+            </a:xfrm>
+            <a:custGeom>
+              <a:avLst/>
+              <a:gdLst/>
+              <a:ahLst/>
+              <a:cxnLst/>
+              <a:rect l="l" t="t" r="r" b="b"/>
+              <a:pathLst>
+                <a:path w="3404" h="3403" extrusionOk="0">
+                  <a:moveTo>
+                    <a:pt x="1671" y="662"/>
+                  </a:moveTo>
+                  <a:cubicBezTo>
+                    <a:pt x="2238" y="662"/>
+                    <a:pt x="2710" y="1134"/>
+                    <a:pt x="2710" y="1701"/>
+                  </a:cubicBezTo>
+                  <a:cubicBezTo>
+                    <a:pt x="2710" y="2237"/>
+                    <a:pt x="2269" y="2710"/>
+                    <a:pt x="1671" y="2710"/>
+                  </a:cubicBezTo>
+                  <a:cubicBezTo>
+                    <a:pt x="1135" y="2710"/>
+                    <a:pt x="663" y="2237"/>
+                    <a:pt x="663" y="1701"/>
+                  </a:cubicBezTo>
+                  <a:cubicBezTo>
+                    <a:pt x="663" y="1134"/>
+                    <a:pt x="1135" y="662"/>
+                    <a:pt x="1671" y="662"/>
+                  </a:cubicBezTo>
+                  <a:close/>
+                  <a:moveTo>
+                    <a:pt x="1671" y="0"/>
+                  </a:moveTo>
+                  <a:cubicBezTo>
+                    <a:pt x="726" y="0"/>
+                    <a:pt x="1" y="756"/>
+                    <a:pt x="1" y="1701"/>
+                  </a:cubicBezTo>
+                  <a:cubicBezTo>
+                    <a:pt x="1" y="2647"/>
+                    <a:pt x="726" y="3403"/>
+                    <a:pt x="1671" y="3403"/>
+                  </a:cubicBezTo>
+                  <a:cubicBezTo>
+                    <a:pt x="2616" y="3403"/>
+                    <a:pt x="3372" y="2647"/>
+                    <a:pt x="3372" y="1701"/>
+                  </a:cubicBezTo>
+                  <a:cubicBezTo>
+                    <a:pt x="3403" y="756"/>
+                    <a:pt x="2616" y="0"/>
+                    <a:pt x="1671" y="0"/>
+                  </a:cubicBezTo>
+                  <a:close/>
+                </a:path>
+              </a:pathLst>
+            </a:custGeom>
+            <a:grpFill/>
+            <a:ln>
+              <a:noFill/>
+            </a:ln>
+          </p:spPr>
+          <p:txBody>
+            <a:bodyPr spcFirstLastPara="1" wrap="square" lIns="91425" tIns="91425" rIns="91425" bIns="91425" anchor="ctr" anchorCtr="0">
+              <a:noAutofit/>
+            </a:bodyPr>
+            <a:lstStyle/>
+            <a:p>
+              <a:pPr marL="0" lvl="0" indent="0" algn="l" rtl="0">
+                <a:spcBef>
+                  <a:spcPts val="0"/>
+                </a:spcBef>
+                <a:spcAft>
+                  <a:spcPts val="0"/>
+                </a:spcAft>
+                <a:buNone/>
+              </a:pPr>
+              <a:endParaRPr/>
+            </a:p>
+          </p:txBody>
+        </p:sp>
+      </p:grpSp>
+      <p:sp>
+        <p:nvSpPr>
+          <p:cNvPr id="2" name="Заголовок 1">
+            <a:extLst>
+              <a:ext uri="{FF2B5EF4-FFF2-40B4-BE49-F238E27FC236}">
+                <a16:creationId xmlns:a16="http://schemas.microsoft.com/office/drawing/2014/main" id="{5A3EF615-E77B-E3D2-D040-566CF8C64FF4}"/>
+              </a:ext>
+            </a:extLst>
+          </p:cNvPr>
+          <p:cNvSpPr>
+            <a:spLocks noGrp="1"/>
+          </p:cNvSpPr>
+          <p:nvPr>
+            <p:ph type="title"/>
+          </p:nvPr>
+        </p:nvSpPr>
+        <p:spPr/>
+        <p:txBody>
+          <a:bodyPr>
+            <a:normAutofit/>
+          </a:bodyPr>
+          <a:lstStyle/>
+          <a:p>
+            <a:pPr algn="r"/>
+            <a:r>
+              <a:rPr lang="ru-RU" sz="3600" b="1" dirty="0"/>
+              <a:t>Клиентское приложение</a:t>
+            </a:r>
+          </a:p>
+        </p:txBody>
+      </p:sp>
+      <p:grpSp>
+        <p:nvGrpSpPr>
+          <p:cNvPr id="5" name="Группа 4">
+            <a:extLst>
+              <a:ext uri="{FF2B5EF4-FFF2-40B4-BE49-F238E27FC236}">
+                <a16:creationId xmlns:a16="http://schemas.microsoft.com/office/drawing/2014/main" id="{22E43C01-DCE8-3398-0B24-7220BB807989}"/>
+              </a:ext>
+            </a:extLst>
+          </p:cNvPr>
+          <p:cNvGrpSpPr/>
+          <p:nvPr/>
+        </p:nvGrpSpPr>
+        <p:grpSpPr>
+          <a:xfrm>
+            <a:off x="0" y="0"/>
+            <a:ext cx="12192000" cy="6866087"/>
+            <a:chOff x="0" y="0"/>
+            <a:chExt cx="12192000" cy="6866087"/>
+          </a:xfrm>
+        </p:grpSpPr>
+        <p:grpSp>
+          <p:nvGrpSpPr>
+            <p:cNvPr id="6" name="Группа 5">
+              <a:extLst>
+                <a:ext uri="{FF2B5EF4-FFF2-40B4-BE49-F238E27FC236}">
+                  <a16:creationId xmlns:a16="http://schemas.microsoft.com/office/drawing/2014/main" id="{01664D25-E802-D503-CD17-53D940A7E3EA}"/>
+                </a:ext>
+              </a:extLst>
+            </p:cNvPr>
+            <p:cNvGrpSpPr/>
+            <p:nvPr/>
+          </p:nvGrpSpPr>
+          <p:grpSpPr>
+            <a:xfrm>
+              <a:off x="1" y="1570"/>
+              <a:ext cx="12191999" cy="6856430"/>
+              <a:chOff x="1" y="1570"/>
+              <a:chExt cx="12191999" cy="6856430"/>
+            </a:xfrm>
+            <a:solidFill>
+              <a:srgbClr val="D4EDF9"/>
+            </a:solidFill>
+          </p:grpSpPr>
+          <p:sp>
+            <p:nvSpPr>
+              <p:cNvPr id="10" name="Равнобедренный треугольник 9">
+                <a:extLst>
+                  <a:ext uri="{FF2B5EF4-FFF2-40B4-BE49-F238E27FC236}">
+                    <a16:creationId xmlns:a16="http://schemas.microsoft.com/office/drawing/2014/main" id="{6CF5EE32-AF96-A075-F850-80BC780BA2AD}"/>
+                  </a:ext>
+                </a:extLst>
+              </p:cNvPr>
+              <p:cNvSpPr/>
+              <p:nvPr/>
+            </p:nvSpPr>
+            <p:spPr>
+              <a:xfrm rot="5400000">
+                <a:off x="2818939" y="-2817368"/>
+                <a:ext cx="1754328" cy="7392204"/>
+              </a:xfrm>
+              <a:prstGeom prst="triangle">
+                <a:avLst>
+                  <a:gd name="adj" fmla="val 0"/>
+                </a:avLst>
+              </a:prstGeom>
+              <a:grpFill/>
+              <a:ln>
+                <a:noFill/>
+              </a:ln>
+            </p:spPr>
+            <p:style>
+              <a:lnRef idx="2">
+                <a:schemeClr val="accent1">
+                  <a:shade val="50000"/>
+                </a:schemeClr>
+              </a:lnRef>
+              <a:fillRef idx="1">
+                <a:schemeClr val="accent1"/>
+              </a:fillRef>
+              <a:effectRef idx="0">
+                <a:schemeClr val="accent1"/>
+              </a:effectRef>
+              <a:fontRef idx="minor">
+                <a:schemeClr val="lt1"/>
+              </a:fontRef>
+            </p:style>
+            <p:txBody>
+              <a:bodyPr rtlCol="0" anchor="ctr"/>
+              <a:lstStyle/>
+              <a:p>
+                <a:pPr algn="ctr"/>
+                <a:endParaRPr lang="ru-RU"/>
+              </a:p>
+            </p:txBody>
+          </p:sp>
+          <p:sp>
+            <p:nvSpPr>
+              <p:cNvPr id="11" name="Равнобедренный треугольник 10">
+                <a:extLst>
+                  <a:ext uri="{FF2B5EF4-FFF2-40B4-BE49-F238E27FC236}">
+                    <a16:creationId xmlns:a16="http://schemas.microsoft.com/office/drawing/2014/main" id="{AC9CBC80-7660-D3E0-DBCB-927385893407}"/>
+                  </a:ext>
+                </a:extLst>
+              </p:cNvPr>
+              <p:cNvSpPr/>
+              <p:nvPr/>
+            </p:nvSpPr>
+            <p:spPr>
+              <a:xfrm rot="16200000">
+                <a:off x="7618734" y="2284734"/>
+                <a:ext cx="1754328" cy="7392204"/>
+              </a:xfrm>
+              <a:prstGeom prst="triangle">
+                <a:avLst>
+                  <a:gd name="adj" fmla="val 0"/>
+                </a:avLst>
+              </a:prstGeom>
+              <a:grpFill/>
+              <a:ln>
+                <a:noFill/>
+              </a:ln>
+            </p:spPr>
+            <p:style>
+              <a:lnRef idx="2">
+                <a:schemeClr val="accent1">
+                  <a:shade val="50000"/>
+                </a:schemeClr>
+              </a:lnRef>
+              <a:fillRef idx="1">
+                <a:schemeClr val="accent1"/>
+              </a:fillRef>
+              <a:effectRef idx="0">
+                <a:schemeClr val="accent1"/>
+              </a:effectRef>
+              <a:fontRef idx="minor">
+                <a:schemeClr val="lt1"/>
+              </a:fontRef>
+            </p:style>
+            <p:txBody>
+              <a:bodyPr rtlCol="0" anchor="ctr"/>
+              <a:lstStyle/>
+              <a:p>
+                <a:pPr algn="ctr"/>
+                <a:endParaRPr lang="ru-RU"/>
+              </a:p>
+            </p:txBody>
+          </p:sp>
+        </p:grpSp>
+        <p:grpSp>
+          <p:nvGrpSpPr>
+            <p:cNvPr id="7" name="Группа 6">
+              <a:extLst>
+                <a:ext uri="{FF2B5EF4-FFF2-40B4-BE49-F238E27FC236}">
+                  <a16:creationId xmlns:a16="http://schemas.microsoft.com/office/drawing/2014/main" id="{D46A3655-9EB3-4617-A432-EA5AF23C41FF}"/>
+                </a:ext>
+              </a:extLst>
+            </p:cNvPr>
+            <p:cNvGrpSpPr/>
+            <p:nvPr/>
+          </p:nvGrpSpPr>
+          <p:grpSpPr>
+            <a:xfrm>
+              <a:off x="0" y="0"/>
+              <a:ext cx="12191999" cy="6866087"/>
+              <a:chOff x="0" y="0"/>
+              <a:chExt cx="12191999" cy="6866087"/>
+            </a:xfrm>
+          </p:grpSpPr>
+          <p:sp>
+            <p:nvSpPr>
+              <p:cNvPr id="8" name="Равнобедренный треугольник 7">
+                <a:extLst>
+                  <a:ext uri="{FF2B5EF4-FFF2-40B4-BE49-F238E27FC236}">
+                    <a16:creationId xmlns:a16="http://schemas.microsoft.com/office/drawing/2014/main" id="{55B0A424-B26C-DFC3-F3B6-4A53F2F775C0}"/>
+                  </a:ext>
+                </a:extLst>
+              </p:cNvPr>
+              <p:cNvSpPr/>
+              <p:nvPr/>
+            </p:nvSpPr>
+            <p:spPr>
+              <a:xfrm rot="16200000">
+                <a:off x="8570393" y="3244480"/>
+                <a:ext cx="1414732" cy="5828481"/>
+              </a:xfrm>
+              <a:prstGeom prst="triangle">
+                <a:avLst>
+                  <a:gd name="adj" fmla="val 0"/>
+                </a:avLst>
+              </a:prstGeom>
+              <a:solidFill>
+                <a:srgbClr val="3DA0DC"/>
+              </a:solidFill>
+              <a:ln>
+                <a:noFill/>
+              </a:ln>
+            </p:spPr>
+            <p:style>
+              <a:lnRef idx="2">
+                <a:schemeClr val="accent1">
+                  <a:shade val="50000"/>
+                </a:schemeClr>
+              </a:lnRef>
+              <a:fillRef idx="1">
+                <a:schemeClr val="accent1"/>
+              </a:fillRef>
+              <a:effectRef idx="0">
+                <a:schemeClr val="accent1"/>
+              </a:effectRef>
+              <a:fontRef idx="minor">
+                <a:schemeClr val="lt1"/>
+              </a:fontRef>
+            </p:style>
+            <p:txBody>
+              <a:bodyPr rtlCol="0" anchor="ctr"/>
+              <a:lstStyle/>
+              <a:p>
+                <a:pPr algn="ctr"/>
+                <a:endParaRPr lang="ru-RU"/>
+              </a:p>
+            </p:txBody>
+          </p:sp>
+          <p:sp>
+            <p:nvSpPr>
+              <p:cNvPr id="9" name="Равнобедренный треугольник 8">
+                <a:extLst>
+                  <a:ext uri="{FF2B5EF4-FFF2-40B4-BE49-F238E27FC236}">
+                    <a16:creationId xmlns:a16="http://schemas.microsoft.com/office/drawing/2014/main" id="{645110BF-CA80-516D-31E1-F05AD8036322}"/>
+                  </a:ext>
+                </a:extLst>
+              </p:cNvPr>
+              <p:cNvSpPr/>
+              <p:nvPr/>
+            </p:nvSpPr>
+            <p:spPr>
+              <a:xfrm rot="5400000">
+                <a:off x="2206875" y="-2206875"/>
+                <a:ext cx="1414732" cy="5828481"/>
+              </a:xfrm>
+              <a:prstGeom prst="triangle">
+                <a:avLst>
+                  <a:gd name="adj" fmla="val 0"/>
+                </a:avLst>
+              </a:prstGeom>
+              <a:solidFill>
+                <a:srgbClr val="3DA0DC"/>
+              </a:solidFill>
+              <a:ln>
+                <a:noFill/>
+              </a:ln>
+            </p:spPr>
+            <p:style>
+              <a:lnRef idx="2">
+                <a:schemeClr val="accent1">
+                  <a:shade val="50000"/>
+                </a:schemeClr>
+              </a:lnRef>
+              <a:fillRef idx="1">
+                <a:schemeClr val="accent1"/>
+              </a:fillRef>
+              <a:effectRef idx="0">
+                <a:schemeClr val="accent1"/>
+              </a:effectRef>
+              <a:fontRef idx="minor">
+                <a:schemeClr val="lt1"/>
+              </a:fontRef>
+            </p:style>
+            <p:txBody>
+              <a:bodyPr rtlCol="0" anchor="ctr"/>
+              <a:lstStyle/>
+              <a:p>
+                <a:pPr algn="ctr"/>
+                <a:endParaRPr lang="ru-RU"/>
+              </a:p>
+            </p:txBody>
+          </p:sp>
+        </p:grpSp>
+      </p:grpSp>
+      <p:grpSp>
+        <p:nvGrpSpPr>
+          <p:cNvPr id="3" name="Группа 2">
+            <a:extLst>
+              <a:ext uri="{FF2B5EF4-FFF2-40B4-BE49-F238E27FC236}">
+                <a16:creationId xmlns:a16="http://schemas.microsoft.com/office/drawing/2014/main" id="{36E6CCF9-96DF-D40D-5CE3-476B7EC6C18A}"/>
+              </a:ext>
+            </a:extLst>
+          </p:cNvPr>
+          <p:cNvGrpSpPr/>
+          <p:nvPr/>
+        </p:nvGrpSpPr>
+        <p:grpSpPr>
+          <a:xfrm>
+            <a:off x="698171" y="1543052"/>
+            <a:ext cx="7668214" cy="4511592"/>
+            <a:chOff x="910876" y="1510435"/>
+            <a:chExt cx="7668214" cy="4511592"/>
+          </a:xfrm>
+        </p:grpSpPr>
+        <p:sp>
+          <p:nvSpPr>
+            <p:cNvPr id="14" name="TextBox 13">
+              <a:extLst>
+                <a:ext uri="{FF2B5EF4-FFF2-40B4-BE49-F238E27FC236}">
+                  <a16:creationId xmlns:a16="http://schemas.microsoft.com/office/drawing/2014/main" id="{9A4E6735-0052-CB7B-72C3-ABD8D1D8D599}"/>
+                </a:ext>
+              </a:extLst>
+            </p:cNvPr>
+            <p:cNvSpPr txBox="1"/>
+            <p:nvPr/>
+          </p:nvSpPr>
+          <p:spPr>
+            <a:xfrm>
+              <a:off x="3717267" y="5621917"/>
+              <a:ext cx="2055434" cy="400110"/>
+            </a:xfrm>
+            <a:prstGeom prst="rect">
+              <a:avLst/>
+            </a:prstGeom>
+            <a:noFill/>
+          </p:spPr>
+          <p:txBody>
+            <a:bodyPr wrap="none" rtlCol="0">
+              <a:spAutoFit/>
+            </a:bodyPr>
+            <a:lstStyle/>
+            <a:p>
+              <a:pPr algn="ctr"/>
+              <a:r>
+                <a:rPr lang="ru-RU" sz="2000" dirty="0"/>
+                <a:t>Учет достижений</a:t>
+              </a:r>
+            </a:p>
+          </p:txBody>
+        </p:sp>
+        <p:pic>
+          <p:nvPicPr>
+            <p:cNvPr id="24" name="Рисунок 23">
+              <a:extLst>
+                <a:ext uri="{FF2B5EF4-FFF2-40B4-BE49-F238E27FC236}">
+                  <a16:creationId xmlns:a16="http://schemas.microsoft.com/office/drawing/2014/main" id="{0A6D92BB-C2C0-E096-6462-CBB42FCD75F5}"/>
+                </a:ext>
+              </a:extLst>
+            </p:cNvPr>
+            <p:cNvPicPr>
+              <a:picLocks noChangeAspect="1"/>
+            </p:cNvPicPr>
+            <p:nvPr/>
+          </p:nvPicPr>
+          <p:blipFill>
+            <a:blip r:embed="rId2"/>
+            <a:stretch>
+              <a:fillRect/>
+            </a:stretch>
+          </p:blipFill>
+          <p:spPr>
+            <a:xfrm>
+              <a:off x="910876" y="1510435"/>
+              <a:ext cx="7668214" cy="3940919"/>
+            </a:xfrm>
+            <a:prstGeom prst="rect">
+              <a:avLst/>
+            </a:prstGeom>
+            <a:solidFill>
+              <a:srgbClr val="FFFFFF">
+                <a:shade val="85000"/>
+              </a:srgbClr>
+            </a:solidFill>
+            <a:ln w="88900" cap="sq">
+              <a:noFill/>
+              <a:miter lim="800000"/>
+            </a:ln>
+            <a:effectLst>
+              <a:outerShdw blurRad="55000" dist="18000" dir="5400000" algn="tl" rotWithShape="0">
+                <a:srgbClr val="000000">
+                  <a:alpha val="40000"/>
+                </a:srgbClr>
+              </a:outerShdw>
+            </a:effectLst>
+            <a:scene3d>
+              <a:camera prst="orthographicFront"/>
+              <a:lightRig rig="twoPt" dir="t">
+                <a:rot lat="0" lon="0" rev="7200000"/>
+              </a:lightRig>
+            </a:scene3d>
+            <a:sp3d>
+              <a:bevelT w="25400" h="19050"/>
+              <a:contourClr>
+                <a:srgbClr val="FFFFFF"/>
+              </a:contourClr>
+            </a:sp3d>
+          </p:spPr>
+        </p:pic>
+      </p:grpSp>
+    </p:spTree>
+    <p:extLst>
+      <p:ext uri="{BB962C8B-B14F-4D97-AF65-F5344CB8AC3E}">
+        <p14:creationId xmlns:p14="http://schemas.microsoft.com/office/powerpoint/2010/main" val="817839389"/>
+      </p:ext>
+    </p:extLst>
+  </p:cSld>
+  <p:clrMapOvr>
+    <a:masterClrMapping/>
+  </p:clrMapOvr>
+</p:sld>
+</file>
+
+<file path=ppt/slides/slide16.xml><?xml version="1.0" encoding="utf-8"?>
+<p:sld xmlns:a="http://schemas.openxmlformats.org/drawingml/2006/main" xmlns:r="http://schemas.openxmlformats.org/officeDocument/2006/relationships" xmlns:p="http://schemas.openxmlformats.org/presentationml/2006/main">
+  <p:cSld>
+    <p:spTree>
+      <p:nvGrpSpPr>
+        <p:cNvPr id="1" name=""/>
+        <p:cNvGrpSpPr/>
+        <p:nvPr/>
+      </p:nvGrpSpPr>
+      <p:grpSpPr>
+        <a:xfrm>
+          <a:off x="0" y="0"/>
+          <a:ext cx="0" cy="0"/>
+          <a:chOff x="0" y="0"/>
+          <a:chExt cx="0" cy="0"/>
+        </a:xfrm>
+      </p:grpSpPr>
+      <p:grpSp>
+        <p:nvGrpSpPr>
           <p:cNvPr id="15" name="Google Shape;9655;p62">
             <a:extLst>
               <a:ext uri="{FF2B5EF4-FFF2-40B4-BE49-F238E27FC236}">
@@ -15831,7 +17269,7 @@
 </p:sld>
 </file>
 
-<file path=ppt/slides/slide16.xml><?xml version="1.0" encoding="utf-8"?>
+<file path=ppt/slides/slide17.xml><?xml version="1.0" encoding="utf-8"?>
 <p:sld xmlns:a="http://schemas.openxmlformats.org/drawingml/2006/main" xmlns:r="http://schemas.openxmlformats.org/officeDocument/2006/relationships" xmlns:p="http://schemas.openxmlformats.org/presentationml/2006/main">
   <p:cSld>
     <p:spTree>
